--- a/folien/Semester_03_Termin_05_Uebungsblock_01-04.pptx
+++ b/folien/Semester_03_Termin_05_Uebungsblock_01-04.pptx
@@ -156,6 +156,36 @@
       </a:defRPr>
     </a:lvl9pPr>
   </p:defaultTextStyle>
+  <p:extLst>
+    <p:ext uri="{EFAFB233-063F-42B5-8137-9DF3F51BA10A}">
+      <p15:sldGuideLst xmlns:p15="http://schemas.microsoft.com/office/powerpoint/2012/main">
+        <p15:guide id="1" orient="horz" pos="2160">
+          <p15:clr>
+            <a:srgbClr val="A4A3A4"/>
+          </p15:clr>
+        </p15:guide>
+        <p15:guide id="2" pos="2880">
+          <p15:clr>
+            <a:srgbClr val="A4A3A4"/>
+          </p15:clr>
+        </p15:guide>
+      </p15:sldGuideLst>
+    </p:ext>
+    <p:ext uri="{2D200454-40CA-4A62-9FC3-DE9A4176ACB9}">
+      <p15:notesGuideLst xmlns:p15="http://schemas.microsoft.com/office/powerpoint/2012/main">
+        <p15:guide id="1" orient="horz" pos="2880">
+          <p15:clr>
+            <a:srgbClr val="A4A3A4"/>
+          </p15:clr>
+        </p15:guide>
+        <p15:guide id="2" pos="2160">
+          <p15:clr>
+            <a:srgbClr val="A4A3A4"/>
+          </p15:clr>
+        </p15:guide>
+      </p15:notesGuideLst>
+    </p:ext>
+  </p:extLst>
 </p:presentation>
 </file>
 
@@ -188,7 +218,7 @@
         <p:nvSpPr>
           <p:cNvPr id="2050" name="Rectangle 1"/>
           <p:cNvSpPr>
-            <a:spLocks noGrp="1" noChangeArrowheads="1"/>
+            <a:spLocks noGrp="1" noRot="1" noChangeAspect="1" noChangeArrowheads="1"/>
           </p:cNvSpPr>
           <p:nvPr>
             <p:ph type="sldImg"/>
@@ -521,6 +551,11 @@
         </p:txBody>
       </p:sp>
     </p:spTree>
+    <p:extLst>
+      <p:ext uri="{BB962C8B-B14F-4D97-AF65-F5344CB8AC3E}">
+        <p14:creationId xmlns:p14="http://schemas.microsoft.com/office/powerpoint/2010/main" val="1258808966"/>
+      </p:ext>
+    </p:extLst>
   </p:cSld>
   <p:clrMap bg1="lt1" tx1="dk1" bg2="lt2" tx2="dk2" accent1="accent1" accent2="accent2" accent3="accent3" accent4="accent4" accent5="accent5" accent6="accent6" hlink="hlink" folHlink="folHlink"/>
   <p:notesStyle>
@@ -728,7 +763,7 @@
         <p:nvSpPr>
           <p:cNvPr id="4099" name="Rectangle 1"/>
           <p:cNvSpPr>
-            <a:spLocks noChangeArrowheads="1" noTextEdit="1"/>
+            <a:spLocks noGrp="1" noRot="1" noChangeAspect="1" noChangeArrowheads="1" noTextEdit="1"/>
           </p:cNvSpPr>
           <p:nvPr>
             <p:ph type="sldImg"/>
@@ -754,7 +789,7 @@
         <p:nvSpPr>
           <p:cNvPr id="4100" name="Rectangle 2"/>
           <p:cNvSpPr>
-            <a:spLocks noChangeArrowheads="1"/>
+            <a:spLocks noGrp="1" noChangeArrowheads="1"/>
           </p:cNvSpPr>
           <p:nvPr>
             <p:ph type="body" idx="1"/>
@@ -777,6 +812,11 @@
         </p:txBody>
       </p:sp>
     </p:spTree>
+    <p:extLst>
+      <p:ext uri="{BB962C8B-B14F-4D97-AF65-F5344CB8AC3E}">
+        <p14:creationId xmlns:p14="http://schemas.microsoft.com/office/powerpoint/2010/main" val="2058905247"/>
+      </p:ext>
+    </p:extLst>
   </p:cSld>
   <p:clrMapOvr>
     <a:masterClrMapping/>
@@ -839,7 +879,7 @@
         <p:nvSpPr>
           <p:cNvPr id="22531" name="Rectangle 1"/>
           <p:cNvSpPr>
-            <a:spLocks noChangeArrowheads="1" noTextEdit="1"/>
+            <a:spLocks noGrp="1" noRot="1" noChangeAspect="1" noChangeArrowheads="1" noTextEdit="1"/>
           </p:cNvSpPr>
           <p:nvPr>
             <p:ph type="sldImg"/>
@@ -865,7 +905,7 @@
         <p:nvSpPr>
           <p:cNvPr id="22532" name="Rectangle 2"/>
           <p:cNvSpPr>
-            <a:spLocks noChangeArrowheads="1"/>
+            <a:spLocks noGrp="1" noChangeArrowheads="1"/>
           </p:cNvSpPr>
           <p:nvPr>
             <p:ph type="body" idx="1"/>
@@ -888,6 +928,11 @@
         </p:txBody>
       </p:sp>
     </p:spTree>
+    <p:extLst>
+      <p:ext uri="{BB962C8B-B14F-4D97-AF65-F5344CB8AC3E}">
+        <p14:creationId xmlns:p14="http://schemas.microsoft.com/office/powerpoint/2010/main" val="3617919263"/>
+      </p:ext>
+    </p:extLst>
   </p:cSld>
   <p:clrMapOvr>
     <a:masterClrMapping/>
@@ -950,7 +995,7 @@
         <p:nvSpPr>
           <p:cNvPr id="24579" name="Rectangle 1"/>
           <p:cNvSpPr>
-            <a:spLocks noChangeArrowheads="1" noTextEdit="1"/>
+            <a:spLocks noGrp="1" noRot="1" noChangeAspect="1" noChangeArrowheads="1" noTextEdit="1"/>
           </p:cNvSpPr>
           <p:nvPr>
             <p:ph type="sldImg"/>
@@ -976,7 +1021,7 @@
         <p:nvSpPr>
           <p:cNvPr id="24580" name="Rectangle 2"/>
           <p:cNvSpPr>
-            <a:spLocks noChangeArrowheads="1"/>
+            <a:spLocks noGrp="1" noChangeArrowheads="1"/>
           </p:cNvSpPr>
           <p:nvPr>
             <p:ph type="body" idx="1"/>
@@ -999,6 +1044,11 @@
         </p:txBody>
       </p:sp>
     </p:spTree>
+    <p:extLst>
+      <p:ext uri="{BB962C8B-B14F-4D97-AF65-F5344CB8AC3E}">
+        <p14:creationId xmlns:p14="http://schemas.microsoft.com/office/powerpoint/2010/main" val="2933138786"/>
+      </p:ext>
+    </p:extLst>
   </p:cSld>
   <p:clrMapOvr>
     <a:masterClrMapping/>
@@ -1061,7 +1111,7 @@
         <p:nvSpPr>
           <p:cNvPr id="26627" name="Rectangle 1"/>
           <p:cNvSpPr>
-            <a:spLocks noChangeArrowheads="1" noTextEdit="1"/>
+            <a:spLocks noGrp="1" noRot="1" noChangeAspect="1" noChangeArrowheads="1" noTextEdit="1"/>
           </p:cNvSpPr>
           <p:nvPr>
             <p:ph type="sldImg"/>
@@ -1087,7 +1137,7 @@
         <p:nvSpPr>
           <p:cNvPr id="26628" name="Rectangle 2"/>
           <p:cNvSpPr>
-            <a:spLocks noChangeArrowheads="1"/>
+            <a:spLocks noGrp="1" noChangeArrowheads="1"/>
           </p:cNvSpPr>
           <p:nvPr>
             <p:ph type="body" idx="1"/>
@@ -1110,6 +1160,11 @@
         </p:txBody>
       </p:sp>
     </p:spTree>
+    <p:extLst>
+      <p:ext uri="{BB962C8B-B14F-4D97-AF65-F5344CB8AC3E}">
+        <p14:creationId xmlns:p14="http://schemas.microsoft.com/office/powerpoint/2010/main" val="439395004"/>
+      </p:ext>
+    </p:extLst>
   </p:cSld>
   <p:clrMapOvr>
     <a:masterClrMapping/>
@@ -1172,7 +1227,7 @@
         <p:nvSpPr>
           <p:cNvPr id="28675" name="Rectangle 1"/>
           <p:cNvSpPr>
-            <a:spLocks noChangeArrowheads="1" noTextEdit="1"/>
+            <a:spLocks noGrp="1" noRot="1" noChangeAspect="1" noChangeArrowheads="1" noTextEdit="1"/>
           </p:cNvSpPr>
           <p:nvPr>
             <p:ph type="sldImg"/>
@@ -1198,7 +1253,7 @@
         <p:nvSpPr>
           <p:cNvPr id="28676" name="Rectangle 2"/>
           <p:cNvSpPr>
-            <a:spLocks noChangeArrowheads="1"/>
+            <a:spLocks noGrp="1" noChangeArrowheads="1"/>
           </p:cNvSpPr>
           <p:nvPr>
             <p:ph type="body" idx="1"/>
@@ -1221,6 +1276,11 @@
         </p:txBody>
       </p:sp>
     </p:spTree>
+    <p:extLst>
+      <p:ext uri="{BB962C8B-B14F-4D97-AF65-F5344CB8AC3E}">
+        <p14:creationId xmlns:p14="http://schemas.microsoft.com/office/powerpoint/2010/main" val="2637330378"/>
+      </p:ext>
+    </p:extLst>
   </p:cSld>
   <p:clrMapOvr>
     <a:masterClrMapping/>
@@ -1283,7 +1343,7 @@
         <p:nvSpPr>
           <p:cNvPr id="30723" name="Rectangle 1"/>
           <p:cNvSpPr>
-            <a:spLocks noChangeArrowheads="1" noTextEdit="1"/>
+            <a:spLocks noGrp="1" noRot="1" noChangeAspect="1" noChangeArrowheads="1" noTextEdit="1"/>
           </p:cNvSpPr>
           <p:nvPr>
             <p:ph type="sldImg"/>
@@ -1309,7 +1369,7 @@
         <p:nvSpPr>
           <p:cNvPr id="30724" name="Rectangle 2"/>
           <p:cNvSpPr>
-            <a:spLocks noChangeArrowheads="1"/>
+            <a:spLocks noGrp="1" noChangeArrowheads="1"/>
           </p:cNvSpPr>
           <p:nvPr>
             <p:ph type="body" idx="1"/>
@@ -1332,6 +1392,11 @@
         </p:txBody>
       </p:sp>
     </p:spTree>
+    <p:extLst>
+      <p:ext uri="{BB962C8B-B14F-4D97-AF65-F5344CB8AC3E}">
+        <p14:creationId xmlns:p14="http://schemas.microsoft.com/office/powerpoint/2010/main" val="1660087003"/>
+      </p:ext>
+    </p:extLst>
   </p:cSld>
   <p:clrMapOvr>
     <a:masterClrMapping/>
@@ -1394,7 +1459,7 @@
         <p:nvSpPr>
           <p:cNvPr id="32771" name="Rectangle 1"/>
           <p:cNvSpPr>
-            <a:spLocks noChangeArrowheads="1" noTextEdit="1"/>
+            <a:spLocks noGrp="1" noRot="1" noChangeAspect="1" noChangeArrowheads="1" noTextEdit="1"/>
           </p:cNvSpPr>
           <p:nvPr>
             <p:ph type="sldImg"/>
@@ -1420,7 +1485,7 @@
         <p:nvSpPr>
           <p:cNvPr id="32772" name="Rectangle 2"/>
           <p:cNvSpPr>
-            <a:spLocks noChangeArrowheads="1"/>
+            <a:spLocks noGrp="1" noChangeArrowheads="1"/>
           </p:cNvSpPr>
           <p:nvPr>
             <p:ph type="body" idx="1"/>
@@ -1443,6 +1508,11 @@
         </p:txBody>
       </p:sp>
     </p:spTree>
+    <p:extLst>
+      <p:ext uri="{BB962C8B-B14F-4D97-AF65-F5344CB8AC3E}">
+        <p14:creationId xmlns:p14="http://schemas.microsoft.com/office/powerpoint/2010/main" val="3846528915"/>
+      </p:ext>
+    </p:extLst>
   </p:cSld>
   <p:clrMapOvr>
     <a:masterClrMapping/>
@@ -1505,7 +1575,7 @@
         <p:nvSpPr>
           <p:cNvPr id="34819" name="Rectangle 1"/>
           <p:cNvSpPr>
-            <a:spLocks noChangeArrowheads="1" noTextEdit="1"/>
+            <a:spLocks noGrp="1" noRot="1" noChangeAspect="1" noChangeArrowheads="1" noTextEdit="1"/>
           </p:cNvSpPr>
           <p:nvPr>
             <p:ph type="sldImg"/>
@@ -1531,7 +1601,7 @@
         <p:nvSpPr>
           <p:cNvPr id="34820" name="Rectangle 2"/>
           <p:cNvSpPr>
-            <a:spLocks noChangeArrowheads="1"/>
+            <a:spLocks noGrp="1" noChangeArrowheads="1"/>
           </p:cNvSpPr>
           <p:nvPr>
             <p:ph type="body" idx="1"/>
@@ -1554,6 +1624,11 @@
         </p:txBody>
       </p:sp>
     </p:spTree>
+    <p:extLst>
+      <p:ext uri="{BB962C8B-B14F-4D97-AF65-F5344CB8AC3E}">
+        <p14:creationId xmlns:p14="http://schemas.microsoft.com/office/powerpoint/2010/main" val="2469041603"/>
+      </p:ext>
+    </p:extLst>
   </p:cSld>
   <p:clrMapOvr>
     <a:masterClrMapping/>
@@ -1616,7 +1691,7 @@
         <p:nvSpPr>
           <p:cNvPr id="36867" name="Rectangle 1"/>
           <p:cNvSpPr>
-            <a:spLocks noChangeArrowheads="1" noTextEdit="1"/>
+            <a:spLocks noGrp="1" noRot="1" noChangeAspect="1" noChangeArrowheads="1" noTextEdit="1"/>
           </p:cNvSpPr>
           <p:nvPr>
             <p:ph type="sldImg"/>
@@ -1642,7 +1717,7 @@
         <p:nvSpPr>
           <p:cNvPr id="36868" name="Rectangle 2"/>
           <p:cNvSpPr>
-            <a:spLocks noChangeArrowheads="1"/>
+            <a:spLocks noGrp="1" noChangeArrowheads="1"/>
           </p:cNvSpPr>
           <p:nvPr>
             <p:ph type="body" idx="1"/>
@@ -1665,6 +1740,11 @@
         </p:txBody>
       </p:sp>
     </p:spTree>
+    <p:extLst>
+      <p:ext uri="{BB962C8B-B14F-4D97-AF65-F5344CB8AC3E}">
+        <p14:creationId xmlns:p14="http://schemas.microsoft.com/office/powerpoint/2010/main" val="3203320897"/>
+      </p:ext>
+    </p:extLst>
   </p:cSld>
   <p:clrMapOvr>
     <a:masterClrMapping/>
@@ -1727,7 +1807,7 @@
         <p:nvSpPr>
           <p:cNvPr id="38915" name="Rectangle 1"/>
           <p:cNvSpPr>
-            <a:spLocks noChangeArrowheads="1" noTextEdit="1"/>
+            <a:spLocks noGrp="1" noRot="1" noChangeAspect="1" noChangeArrowheads="1" noTextEdit="1"/>
           </p:cNvSpPr>
           <p:nvPr>
             <p:ph type="sldImg"/>
@@ -1753,7 +1833,7 @@
         <p:nvSpPr>
           <p:cNvPr id="38916" name="Rectangle 2"/>
           <p:cNvSpPr>
-            <a:spLocks noChangeArrowheads="1"/>
+            <a:spLocks noGrp="1" noChangeArrowheads="1"/>
           </p:cNvSpPr>
           <p:nvPr>
             <p:ph type="body" idx="1"/>
@@ -1776,6 +1856,11 @@
         </p:txBody>
       </p:sp>
     </p:spTree>
+    <p:extLst>
+      <p:ext uri="{BB962C8B-B14F-4D97-AF65-F5344CB8AC3E}">
+        <p14:creationId xmlns:p14="http://schemas.microsoft.com/office/powerpoint/2010/main" val="784108448"/>
+      </p:ext>
+    </p:extLst>
   </p:cSld>
   <p:clrMapOvr>
     <a:masterClrMapping/>
@@ -1838,7 +1923,7 @@
         <p:nvSpPr>
           <p:cNvPr id="40963" name="Rectangle 1"/>
           <p:cNvSpPr>
-            <a:spLocks noChangeArrowheads="1" noTextEdit="1"/>
+            <a:spLocks noGrp="1" noRot="1" noChangeAspect="1" noChangeArrowheads="1" noTextEdit="1"/>
           </p:cNvSpPr>
           <p:nvPr>
             <p:ph type="sldImg"/>
@@ -1864,7 +1949,7 @@
         <p:nvSpPr>
           <p:cNvPr id="40964" name="Rectangle 2"/>
           <p:cNvSpPr>
-            <a:spLocks noChangeArrowheads="1"/>
+            <a:spLocks noGrp="1" noChangeArrowheads="1"/>
           </p:cNvSpPr>
           <p:nvPr>
             <p:ph type="body" idx="1"/>
@@ -1887,6 +1972,11 @@
         </p:txBody>
       </p:sp>
     </p:spTree>
+    <p:extLst>
+      <p:ext uri="{BB962C8B-B14F-4D97-AF65-F5344CB8AC3E}">
+        <p14:creationId xmlns:p14="http://schemas.microsoft.com/office/powerpoint/2010/main" val="2490084938"/>
+      </p:ext>
+    </p:extLst>
   </p:cSld>
   <p:clrMapOvr>
     <a:masterClrMapping/>
@@ -1949,7 +2039,7 @@
         <p:nvSpPr>
           <p:cNvPr id="6147" name="Rectangle 1"/>
           <p:cNvSpPr>
-            <a:spLocks noChangeArrowheads="1" noTextEdit="1"/>
+            <a:spLocks noGrp="1" noRot="1" noChangeAspect="1" noChangeArrowheads="1" noTextEdit="1"/>
           </p:cNvSpPr>
           <p:nvPr>
             <p:ph type="sldImg"/>
@@ -1975,7 +2065,7 @@
         <p:nvSpPr>
           <p:cNvPr id="6148" name="Rectangle 2"/>
           <p:cNvSpPr>
-            <a:spLocks noChangeArrowheads="1"/>
+            <a:spLocks noGrp="1" noChangeArrowheads="1"/>
           </p:cNvSpPr>
           <p:nvPr>
             <p:ph type="body" idx="1"/>
@@ -1998,6 +2088,11 @@
         </p:txBody>
       </p:sp>
     </p:spTree>
+    <p:extLst>
+      <p:ext uri="{BB962C8B-B14F-4D97-AF65-F5344CB8AC3E}">
+        <p14:creationId xmlns:p14="http://schemas.microsoft.com/office/powerpoint/2010/main" val="3027834258"/>
+      </p:ext>
+    </p:extLst>
   </p:cSld>
   <p:clrMapOvr>
     <a:masterClrMapping/>
@@ -2060,7 +2155,7 @@
         <p:nvSpPr>
           <p:cNvPr id="43011" name="Rectangle 1"/>
           <p:cNvSpPr>
-            <a:spLocks noChangeArrowheads="1" noTextEdit="1"/>
+            <a:spLocks noGrp="1" noRot="1" noChangeAspect="1" noChangeArrowheads="1" noTextEdit="1"/>
           </p:cNvSpPr>
           <p:nvPr>
             <p:ph type="sldImg"/>
@@ -2086,7 +2181,7 @@
         <p:nvSpPr>
           <p:cNvPr id="43012" name="Rectangle 2"/>
           <p:cNvSpPr>
-            <a:spLocks noChangeArrowheads="1"/>
+            <a:spLocks noGrp="1" noChangeArrowheads="1"/>
           </p:cNvSpPr>
           <p:nvPr>
             <p:ph type="body" idx="1"/>
@@ -2109,6 +2204,11 @@
         </p:txBody>
       </p:sp>
     </p:spTree>
+    <p:extLst>
+      <p:ext uri="{BB962C8B-B14F-4D97-AF65-F5344CB8AC3E}">
+        <p14:creationId xmlns:p14="http://schemas.microsoft.com/office/powerpoint/2010/main" val="1040342193"/>
+      </p:ext>
+    </p:extLst>
   </p:cSld>
   <p:clrMapOvr>
     <a:masterClrMapping/>
@@ -2171,7 +2271,7 @@
         <p:nvSpPr>
           <p:cNvPr id="8195" name="Rectangle 1"/>
           <p:cNvSpPr>
-            <a:spLocks noChangeArrowheads="1" noTextEdit="1"/>
+            <a:spLocks noGrp="1" noRot="1" noChangeAspect="1" noChangeArrowheads="1" noTextEdit="1"/>
           </p:cNvSpPr>
           <p:nvPr>
             <p:ph type="sldImg"/>
@@ -2197,7 +2297,7 @@
         <p:nvSpPr>
           <p:cNvPr id="8196" name="Rectangle 2"/>
           <p:cNvSpPr>
-            <a:spLocks noChangeArrowheads="1"/>
+            <a:spLocks noGrp="1" noChangeArrowheads="1"/>
           </p:cNvSpPr>
           <p:nvPr>
             <p:ph type="body" idx="1"/>
@@ -2220,6 +2320,11 @@
         </p:txBody>
       </p:sp>
     </p:spTree>
+    <p:extLst>
+      <p:ext uri="{BB962C8B-B14F-4D97-AF65-F5344CB8AC3E}">
+        <p14:creationId xmlns:p14="http://schemas.microsoft.com/office/powerpoint/2010/main" val="4265719052"/>
+      </p:ext>
+    </p:extLst>
   </p:cSld>
   <p:clrMapOvr>
     <a:masterClrMapping/>
@@ -2282,7 +2387,7 @@
         <p:nvSpPr>
           <p:cNvPr id="10243" name="Rectangle 1"/>
           <p:cNvSpPr>
-            <a:spLocks noChangeArrowheads="1" noTextEdit="1"/>
+            <a:spLocks noGrp="1" noRot="1" noChangeAspect="1" noChangeArrowheads="1" noTextEdit="1"/>
           </p:cNvSpPr>
           <p:nvPr>
             <p:ph type="sldImg"/>
@@ -2308,7 +2413,7 @@
         <p:nvSpPr>
           <p:cNvPr id="10244" name="Rectangle 2"/>
           <p:cNvSpPr>
-            <a:spLocks noChangeArrowheads="1"/>
+            <a:spLocks noGrp="1" noChangeArrowheads="1"/>
           </p:cNvSpPr>
           <p:nvPr>
             <p:ph type="body" idx="1"/>
@@ -2331,6 +2436,11 @@
         </p:txBody>
       </p:sp>
     </p:spTree>
+    <p:extLst>
+      <p:ext uri="{BB962C8B-B14F-4D97-AF65-F5344CB8AC3E}">
+        <p14:creationId xmlns:p14="http://schemas.microsoft.com/office/powerpoint/2010/main" val="2771069984"/>
+      </p:ext>
+    </p:extLst>
   </p:cSld>
   <p:clrMapOvr>
     <a:masterClrMapping/>
@@ -2393,7 +2503,7 @@
         <p:nvSpPr>
           <p:cNvPr id="12291" name="Rectangle 1"/>
           <p:cNvSpPr>
-            <a:spLocks noChangeArrowheads="1" noTextEdit="1"/>
+            <a:spLocks noGrp="1" noRot="1" noChangeAspect="1" noChangeArrowheads="1" noTextEdit="1"/>
           </p:cNvSpPr>
           <p:nvPr>
             <p:ph type="sldImg"/>
@@ -2419,7 +2529,7 @@
         <p:nvSpPr>
           <p:cNvPr id="12292" name="Rectangle 2"/>
           <p:cNvSpPr>
-            <a:spLocks noChangeArrowheads="1"/>
+            <a:spLocks noGrp="1" noChangeArrowheads="1"/>
           </p:cNvSpPr>
           <p:nvPr>
             <p:ph type="body" idx="1"/>
@@ -2442,6 +2552,11 @@
         </p:txBody>
       </p:sp>
     </p:spTree>
+    <p:extLst>
+      <p:ext uri="{BB962C8B-B14F-4D97-AF65-F5344CB8AC3E}">
+        <p14:creationId xmlns:p14="http://schemas.microsoft.com/office/powerpoint/2010/main" val="2478920908"/>
+      </p:ext>
+    </p:extLst>
   </p:cSld>
   <p:clrMapOvr>
     <a:masterClrMapping/>
@@ -2504,7 +2619,7 @@
         <p:nvSpPr>
           <p:cNvPr id="14339" name="Rectangle 1"/>
           <p:cNvSpPr>
-            <a:spLocks noChangeArrowheads="1" noTextEdit="1"/>
+            <a:spLocks noGrp="1" noRot="1" noChangeAspect="1" noChangeArrowheads="1" noTextEdit="1"/>
           </p:cNvSpPr>
           <p:nvPr>
             <p:ph type="sldImg"/>
@@ -2530,7 +2645,7 @@
         <p:nvSpPr>
           <p:cNvPr id="14340" name="Rectangle 2"/>
           <p:cNvSpPr>
-            <a:spLocks noChangeArrowheads="1"/>
+            <a:spLocks noGrp="1" noChangeArrowheads="1"/>
           </p:cNvSpPr>
           <p:nvPr>
             <p:ph type="body" idx="1"/>
@@ -2553,6 +2668,11 @@
         </p:txBody>
       </p:sp>
     </p:spTree>
+    <p:extLst>
+      <p:ext uri="{BB962C8B-B14F-4D97-AF65-F5344CB8AC3E}">
+        <p14:creationId xmlns:p14="http://schemas.microsoft.com/office/powerpoint/2010/main" val="2000000878"/>
+      </p:ext>
+    </p:extLst>
   </p:cSld>
   <p:clrMapOvr>
     <a:masterClrMapping/>
@@ -2615,7 +2735,7 @@
         <p:nvSpPr>
           <p:cNvPr id="16387" name="Rectangle 1"/>
           <p:cNvSpPr>
-            <a:spLocks noChangeArrowheads="1" noTextEdit="1"/>
+            <a:spLocks noGrp="1" noRot="1" noChangeAspect="1" noChangeArrowheads="1" noTextEdit="1"/>
           </p:cNvSpPr>
           <p:nvPr>
             <p:ph type="sldImg"/>
@@ -2641,7 +2761,7 @@
         <p:nvSpPr>
           <p:cNvPr id="16388" name="Rectangle 2"/>
           <p:cNvSpPr>
-            <a:spLocks noChangeArrowheads="1"/>
+            <a:spLocks noGrp="1" noChangeArrowheads="1"/>
           </p:cNvSpPr>
           <p:nvPr>
             <p:ph type="body" idx="1"/>
@@ -2664,6 +2784,11 @@
         </p:txBody>
       </p:sp>
     </p:spTree>
+    <p:extLst>
+      <p:ext uri="{BB962C8B-B14F-4D97-AF65-F5344CB8AC3E}">
+        <p14:creationId xmlns:p14="http://schemas.microsoft.com/office/powerpoint/2010/main" val="2311008519"/>
+      </p:ext>
+    </p:extLst>
   </p:cSld>
   <p:clrMapOvr>
     <a:masterClrMapping/>
@@ -2726,7 +2851,7 @@
         <p:nvSpPr>
           <p:cNvPr id="18435" name="Rectangle 1"/>
           <p:cNvSpPr>
-            <a:spLocks noChangeArrowheads="1" noTextEdit="1"/>
+            <a:spLocks noGrp="1" noRot="1" noChangeAspect="1" noChangeArrowheads="1" noTextEdit="1"/>
           </p:cNvSpPr>
           <p:nvPr>
             <p:ph type="sldImg"/>
@@ -2752,7 +2877,7 @@
         <p:nvSpPr>
           <p:cNvPr id="18436" name="Rectangle 2"/>
           <p:cNvSpPr>
-            <a:spLocks noChangeArrowheads="1"/>
+            <a:spLocks noGrp="1" noChangeArrowheads="1"/>
           </p:cNvSpPr>
           <p:nvPr>
             <p:ph type="body" idx="1"/>
@@ -2775,6 +2900,11 @@
         </p:txBody>
       </p:sp>
     </p:spTree>
+    <p:extLst>
+      <p:ext uri="{BB962C8B-B14F-4D97-AF65-F5344CB8AC3E}">
+        <p14:creationId xmlns:p14="http://schemas.microsoft.com/office/powerpoint/2010/main" val="5088464"/>
+      </p:ext>
+    </p:extLst>
   </p:cSld>
   <p:clrMapOvr>
     <a:masterClrMapping/>
@@ -2837,7 +2967,7 @@
         <p:nvSpPr>
           <p:cNvPr id="20483" name="Rectangle 1"/>
           <p:cNvSpPr>
-            <a:spLocks noChangeArrowheads="1" noTextEdit="1"/>
+            <a:spLocks noGrp="1" noRot="1" noChangeAspect="1" noChangeArrowheads="1" noTextEdit="1"/>
           </p:cNvSpPr>
           <p:nvPr>
             <p:ph type="sldImg"/>
@@ -2863,7 +2993,7 @@
         <p:nvSpPr>
           <p:cNvPr id="20484" name="Rectangle 2"/>
           <p:cNvSpPr>
-            <a:spLocks noChangeArrowheads="1"/>
+            <a:spLocks noGrp="1" noChangeArrowheads="1"/>
           </p:cNvSpPr>
           <p:nvPr>
             <p:ph type="body" idx="1"/>
@@ -2886,6 +3016,11 @@
         </p:txBody>
       </p:sp>
     </p:spTree>
+    <p:extLst>
+      <p:ext uri="{BB962C8B-B14F-4D97-AF65-F5344CB8AC3E}">
+        <p14:creationId xmlns:p14="http://schemas.microsoft.com/office/powerpoint/2010/main" val="1144649874"/>
+      </p:ext>
+    </p:extLst>
   </p:cSld>
   <p:clrMapOvr>
     <a:masterClrMapping/>
@@ -6743,7 +6878,7 @@
   <p:timing>
     <p:tnLst>
       <p:par>
-        <p:cTn id="1" dur="indefinite" nodeType="tmRoot">
+        <p:cTn id="1" dur="indefinite" restart="never" nodeType="tmRoot">
           <p:childTnLst>
             <p:seq concurrent="1" nextAc="seek">
               <p:cTn id="2" dur="0" nodeType="mainSeq"/>
@@ -7214,7 +7349,7 @@
   <p:timing>
     <p:tnLst>
       <p:par>
-        <p:cTn id="1" dur="indefinite" nodeType="tmRoot">
+        <p:cTn id="1" dur="indefinite" restart="never" nodeType="tmRoot">
           <p:childTnLst>
             <p:seq concurrent="1" nextAc="seek">
               <p:cTn id="2" dur="0" nodeType="mainSeq"/>
@@ -7458,7 +7593,7 @@
   <p:timing>
     <p:tnLst>
       <p:par>
-        <p:cTn id="1" dur="indefinite" nodeType="tmRoot">
+        <p:cTn id="1" dur="indefinite" restart="never" nodeType="tmRoot">
           <p:childTnLst>
             <p:seq concurrent="1" nextAc="seek">
               <p:cTn id="2" dur="0" nodeType="mainSeq"/>
@@ -8026,7 +8161,7 @@
   <p:timing>
     <p:tnLst>
       <p:par>
-        <p:cTn id="1" dur="indefinite" nodeType="tmRoot">
+        <p:cTn id="1" dur="indefinite" restart="never" nodeType="tmRoot">
           <p:childTnLst>
             <p:seq concurrent="1" nextAc="seek">
               <p:cTn id="2" dur="0" nodeType="mainSeq"/>
@@ -8270,7 +8405,7 @@
   <p:timing>
     <p:tnLst>
       <p:par>
-        <p:cTn id="1" dur="indefinite" nodeType="tmRoot">
+        <p:cTn id="1" dur="indefinite" restart="never" nodeType="tmRoot">
           <p:childTnLst>
             <p:seq concurrent="1" nextAc="seek">
               <p:cTn id="2" dur="0" nodeType="mainSeq"/>
@@ -8716,7 +8851,7 @@
   <p:timing>
     <p:tnLst>
       <p:par>
-        <p:cTn id="1" dur="indefinite" nodeType="tmRoot">
+        <p:cTn id="1" dur="indefinite" restart="never" nodeType="tmRoot">
           <p:childTnLst>
             <p:seq concurrent="1" nextAc="seek">
               <p:cTn id="2" dur="0" nodeType="mainSeq"/>
@@ -8960,7 +9095,7 @@
   <p:timing>
     <p:tnLst>
       <p:par>
-        <p:cTn id="1" dur="indefinite" nodeType="tmRoot">
+        <p:cTn id="1" dur="indefinite" restart="never" nodeType="tmRoot">
           <p:childTnLst>
             <p:seq concurrent="1" nextAc="seek">
               <p:cTn id="2" dur="0" nodeType="mainSeq"/>
@@ -9541,7 +9676,7 @@
   <p:timing>
     <p:tnLst>
       <p:par>
-        <p:cTn id="1" dur="indefinite" nodeType="tmRoot">
+        <p:cTn id="1" dur="indefinite" restart="never" nodeType="tmRoot">
           <p:childTnLst>
             <p:seq concurrent="1" nextAc="seek">
               <p:cTn id="2" dur="0" nodeType="mainSeq"/>
@@ -9785,7 +9920,7 @@
   <p:timing>
     <p:tnLst>
       <p:par>
-        <p:cTn id="1" dur="indefinite" nodeType="tmRoot">
+        <p:cTn id="1" dur="indefinite" restart="never" nodeType="tmRoot">
           <p:childTnLst>
             <p:seq concurrent="1" nextAc="seek">
               <p:cTn id="2" dur="0" nodeType="mainSeq"/>
@@ -10255,7 +10390,7 @@
   <p:timing>
     <p:tnLst>
       <p:par>
-        <p:cTn id="1" dur="indefinite" nodeType="tmRoot">
+        <p:cTn id="1" dur="indefinite" restart="never" nodeType="tmRoot">
           <p:childTnLst>
             <p:seq concurrent="1" nextAc="seek">
               <p:cTn id="2" dur="0" nodeType="mainSeq"/>
@@ -10499,7 +10634,7 @@
   <p:timing>
     <p:tnLst>
       <p:par>
-        <p:cTn id="1" dur="indefinite" nodeType="tmRoot">
+        <p:cTn id="1" dur="indefinite" restart="never" nodeType="tmRoot">
           <p:childTnLst>
             <p:seq concurrent="1" nextAc="seek">
               <p:cTn id="2" dur="0" nodeType="mainSeq"/>
@@ -10829,7 +10964,7 @@
   <p:timing>
     <p:tnLst>
       <p:par>
-        <p:cTn id="1" dur="indefinite" nodeType="tmRoot">
+        <p:cTn id="1" dur="indefinite" restart="never" nodeType="tmRoot">
           <p:childTnLst>
             <p:seq concurrent="1" nextAc="seek">
               <p:cTn id="2" dur="0" nodeType="mainSeq"/>
@@ -11243,7 +11378,7 @@
   <p:timing>
     <p:tnLst>
       <p:par>
-        <p:cTn id="1" dur="indefinite" nodeType="tmRoot">
+        <p:cTn id="1" dur="indefinite" restart="never" nodeType="tmRoot">
           <p:childTnLst>
             <p:seq concurrent="1" nextAc="seek">
               <p:cTn id="2" dur="0" nodeType="mainSeq"/>
@@ -11664,7 +11799,7 @@
   <p:timing>
     <p:tnLst>
       <p:par>
-        <p:cTn id="1" dur="indefinite" nodeType="tmRoot">
+        <p:cTn id="1" dur="indefinite" restart="never" nodeType="tmRoot">
           <p:childTnLst>
             <p:seq concurrent="1" nextAc="seek">
               <p:cTn id="2" dur="0" nodeType="mainSeq"/>
@@ -12465,7 +12600,7 @@
   <p:timing>
     <p:tnLst>
       <p:par>
-        <p:cTn id="1" dur="indefinite" nodeType="tmRoot">
+        <p:cTn id="1" dur="indefinite" restart="never" nodeType="tmRoot">
           <p:childTnLst>
             <p:seq concurrent="1" nextAc="seek">
               <p:cTn id="2" dur="0" nodeType="mainSeq"/>
@@ -13036,7 +13171,7 @@
   <p:timing>
     <p:tnLst>
       <p:par>
-        <p:cTn id="1" dur="indefinite" nodeType="tmRoot">
+        <p:cTn id="1" dur="indefinite" restart="never" nodeType="tmRoot">
           <p:childTnLst>
             <p:seq concurrent="1" nextAc="seek">
               <p:cTn id="2" dur="0" nodeType="mainSeq"/>
@@ -13470,7 +13605,7 @@
   <p:timing>
     <p:tnLst>
       <p:par>
-        <p:cTn id="1" dur="indefinite" nodeType="tmRoot">
+        <p:cTn id="1" dur="indefinite" restart="never" nodeType="tmRoot">
           <p:childTnLst>
             <p:seq concurrent="1" nextAc="seek">
               <p:cTn id="2" dur="0" nodeType="mainSeq"/>
@@ -13949,7 +14084,7 @@
   <p:timing>
     <p:tnLst>
       <p:par>
-        <p:cTn id="1" dur="indefinite" nodeType="tmRoot">
+        <p:cTn id="1" dur="indefinite" restart="never" nodeType="tmRoot">
           <p:childTnLst>
             <p:seq concurrent="1" nextAc="seek">
               <p:cTn id="2" dur="0" nodeType="mainSeq"/>
@@ -14396,7 +14531,7 @@
   <p:timing>
     <p:tnLst>
       <p:par>
-        <p:cTn id="1" dur="indefinite" nodeType="tmRoot">
+        <p:cTn id="1" dur="indefinite" restart="never" nodeType="tmRoot">
           <p:childTnLst>
             <p:seq concurrent="1" nextAc="seek">
               <p:cTn id="2" dur="0" nodeType="mainSeq"/>
@@ -14640,7 +14775,7 @@
   <p:timing>
     <p:tnLst>
       <p:par>
-        <p:cTn id="1" dur="indefinite" nodeType="tmRoot">
+        <p:cTn id="1" dur="indefinite" restart="never" nodeType="tmRoot">
           <p:childTnLst>
             <p:seq concurrent="1" nextAc="seek">
               <p:cTn id="2" dur="0" nodeType="mainSeq"/>
@@ -14670,7 +14805,7 @@
 <file path=ppt/theme/theme1.xml><?xml version="1.0" encoding="utf-8"?>
 <a:theme xmlns:a="http://schemas.openxmlformats.org/drawingml/2006/main" name="Larissa-Design">
   <a:themeElements>
-    <a:clrScheme name="Larissa-Design 1">
+    <a:clrScheme name="Benutzerdefiniert 1">
       <a:dk1>
         <a:srgbClr val="000000"/>
       </a:dk1>
@@ -14702,10 +14837,10 @@
         <a:srgbClr val="2D2DB9"/>
       </a:accent6>
       <a:hlink>
-        <a:srgbClr val="CCCCFF"/>
+        <a:srgbClr val="2D2DB9"/>
       </a:hlink>
       <a:folHlink>
-        <a:srgbClr val="B2B2B2"/>
+        <a:srgbClr val="2D2DB9"/>
       </a:folHlink>
     </a:clrScheme>
     <a:fontScheme name="Larissa-Design">

--- a/folien/Semester_03_Termin_05_Uebungsblock_01-04.pptx
+++ b/folien/Semester_03_Termin_05_Uebungsblock_01-04.pptx
@@ -158,7 +158,7 @@
   </p:defaultTextStyle>
   <p:extLst>
     <p:ext uri="{EFAFB233-063F-42B5-8137-9DF3F51BA10A}">
-      <p15:sldGuideLst xmlns:p15="http://schemas.microsoft.com/office/powerpoint/2012/main">
+      <p15:sldGuideLst xmlns:p15="http://schemas.microsoft.com/office/powerpoint/2012/main" xmlns="">
         <p15:guide id="1" orient="horz" pos="2160">
           <p15:clr>
             <a:srgbClr val="A4A3A4"/>
@@ -172,7 +172,7 @@
       </p15:sldGuideLst>
     </p:ext>
     <p:ext uri="{2D200454-40CA-4A62-9FC3-DE9A4176ACB9}">
-      <p15:notesGuideLst xmlns:p15="http://schemas.microsoft.com/office/powerpoint/2012/main">
+      <p15:notesGuideLst xmlns:p15="http://schemas.microsoft.com/office/powerpoint/2012/main" xmlns="">
         <p15:guide id="1" orient="horz" pos="2880">
           <p15:clr>
             <a:srgbClr val="A4A3A4"/>
@@ -553,7 +553,7 @@
     </p:spTree>
     <p:extLst>
       <p:ext uri="{BB962C8B-B14F-4D97-AF65-F5344CB8AC3E}">
-        <p14:creationId xmlns:p14="http://schemas.microsoft.com/office/powerpoint/2010/main" val="1258808966"/>
+        <p14:creationId xmlns:p14="http://schemas.microsoft.com/office/powerpoint/2010/main" xmlns="" val="1258808966"/>
       </p:ext>
     </p:extLst>
   </p:cSld>
@@ -814,7 +814,7 @@
     </p:spTree>
     <p:extLst>
       <p:ext uri="{BB962C8B-B14F-4D97-AF65-F5344CB8AC3E}">
-        <p14:creationId xmlns:p14="http://schemas.microsoft.com/office/powerpoint/2010/main" val="2058905247"/>
+        <p14:creationId xmlns:p14="http://schemas.microsoft.com/office/powerpoint/2010/main" xmlns="" val="2058905247"/>
       </p:ext>
     </p:extLst>
   </p:cSld>
@@ -930,7 +930,7 @@
     </p:spTree>
     <p:extLst>
       <p:ext uri="{BB962C8B-B14F-4D97-AF65-F5344CB8AC3E}">
-        <p14:creationId xmlns:p14="http://schemas.microsoft.com/office/powerpoint/2010/main" val="3617919263"/>
+        <p14:creationId xmlns:p14="http://schemas.microsoft.com/office/powerpoint/2010/main" xmlns="" val="3617919263"/>
       </p:ext>
     </p:extLst>
   </p:cSld>
@@ -1046,7 +1046,7 @@
     </p:spTree>
     <p:extLst>
       <p:ext uri="{BB962C8B-B14F-4D97-AF65-F5344CB8AC3E}">
-        <p14:creationId xmlns:p14="http://schemas.microsoft.com/office/powerpoint/2010/main" val="2933138786"/>
+        <p14:creationId xmlns:p14="http://schemas.microsoft.com/office/powerpoint/2010/main" xmlns="" val="2933138786"/>
       </p:ext>
     </p:extLst>
   </p:cSld>
@@ -1162,7 +1162,7 @@
     </p:spTree>
     <p:extLst>
       <p:ext uri="{BB962C8B-B14F-4D97-AF65-F5344CB8AC3E}">
-        <p14:creationId xmlns:p14="http://schemas.microsoft.com/office/powerpoint/2010/main" val="439395004"/>
+        <p14:creationId xmlns:p14="http://schemas.microsoft.com/office/powerpoint/2010/main" xmlns="" val="439395004"/>
       </p:ext>
     </p:extLst>
   </p:cSld>
@@ -1278,7 +1278,7 @@
     </p:spTree>
     <p:extLst>
       <p:ext uri="{BB962C8B-B14F-4D97-AF65-F5344CB8AC3E}">
-        <p14:creationId xmlns:p14="http://schemas.microsoft.com/office/powerpoint/2010/main" val="2637330378"/>
+        <p14:creationId xmlns:p14="http://schemas.microsoft.com/office/powerpoint/2010/main" xmlns="" val="2637330378"/>
       </p:ext>
     </p:extLst>
   </p:cSld>
@@ -1394,7 +1394,7 @@
     </p:spTree>
     <p:extLst>
       <p:ext uri="{BB962C8B-B14F-4D97-AF65-F5344CB8AC3E}">
-        <p14:creationId xmlns:p14="http://schemas.microsoft.com/office/powerpoint/2010/main" val="1660087003"/>
+        <p14:creationId xmlns:p14="http://schemas.microsoft.com/office/powerpoint/2010/main" xmlns="" val="1660087003"/>
       </p:ext>
     </p:extLst>
   </p:cSld>
@@ -1510,7 +1510,7 @@
     </p:spTree>
     <p:extLst>
       <p:ext uri="{BB962C8B-B14F-4D97-AF65-F5344CB8AC3E}">
-        <p14:creationId xmlns:p14="http://schemas.microsoft.com/office/powerpoint/2010/main" val="3846528915"/>
+        <p14:creationId xmlns:p14="http://schemas.microsoft.com/office/powerpoint/2010/main" xmlns="" val="3846528915"/>
       </p:ext>
     </p:extLst>
   </p:cSld>
@@ -1626,7 +1626,7 @@
     </p:spTree>
     <p:extLst>
       <p:ext uri="{BB962C8B-B14F-4D97-AF65-F5344CB8AC3E}">
-        <p14:creationId xmlns:p14="http://schemas.microsoft.com/office/powerpoint/2010/main" val="2469041603"/>
+        <p14:creationId xmlns:p14="http://schemas.microsoft.com/office/powerpoint/2010/main" xmlns="" val="2469041603"/>
       </p:ext>
     </p:extLst>
   </p:cSld>
@@ -1742,7 +1742,7 @@
     </p:spTree>
     <p:extLst>
       <p:ext uri="{BB962C8B-B14F-4D97-AF65-F5344CB8AC3E}">
-        <p14:creationId xmlns:p14="http://schemas.microsoft.com/office/powerpoint/2010/main" val="3203320897"/>
+        <p14:creationId xmlns:p14="http://schemas.microsoft.com/office/powerpoint/2010/main" xmlns="" val="3203320897"/>
       </p:ext>
     </p:extLst>
   </p:cSld>
@@ -1858,7 +1858,7 @@
     </p:spTree>
     <p:extLst>
       <p:ext uri="{BB962C8B-B14F-4D97-AF65-F5344CB8AC3E}">
-        <p14:creationId xmlns:p14="http://schemas.microsoft.com/office/powerpoint/2010/main" val="784108448"/>
+        <p14:creationId xmlns:p14="http://schemas.microsoft.com/office/powerpoint/2010/main" xmlns="" val="784108448"/>
       </p:ext>
     </p:extLst>
   </p:cSld>
@@ -1974,7 +1974,7 @@
     </p:spTree>
     <p:extLst>
       <p:ext uri="{BB962C8B-B14F-4D97-AF65-F5344CB8AC3E}">
-        <p14:creationId xmlns:p14="http://schemas.microsoft.com/office/powerpoint/2010/main" val="2490084938"/>
+        <p14:creationId xmlns:p14="http://schemas.microsoft.com/office/powerpoint/2010/main" xmlns="" val="2490084938"/>
       </p:ext>
     </p:extLst>
   </p:cSld>
@@ -2090,7 +2090,7 @@
     </p:spTree>
     <p:extLst>
       <p:ext uri="{BB962C8B-B14F-4D97-AF65-F5344CB8AC3E}">
-        <p14:creationId xmlns:p14="http://schemas.microsoft.com/office/powerpoint/2010/main" val="3027834258"/>
+        <p14:creationId xmlns:p14="http://schemas.microsoft.com/office/powerpoint/2010/main" xmlns="" val="3027834258"/>
       </p:ext>
     </p:extLst>
   </p:cSld>
@@ -2206,7 +2206,7 @@
     </p:spTree>
     <p:extLst>
       <p:ext uri="{BB962C8B-B14F-4D97-AF65-F5344CB8AC3E}">
-        <p14:creationId xmlns:p14="http://schemas.microsoft.com/office/powerpoint/2010/main" val="1040342193"/>
+        <p14:creationId xmlns:p14="http://schemas.microsoft.com/office/powerpoint/2010/main" xmlns="" val="1040342193"/>
       </p:ext>
     </p:extLst>
   </p:cSld>
@@ -2322,7 +2322,7 @@
     </p:spTree>
     <p:extLst>
       <p:ext uri="{BB962C8B-B14F-4D97-AF65-F5344CB8AC3E}">
-        <p14:creationId xmlns:p14="http://schemas.microsoft.com/office/powerpoint/2010/main" val="4265719052"/>
+        <p14:creationId xmlns:p14="http://schemas.microsoft.com/office/powerpoint/2010/main" xmlns="" val="4265719052"/>
       </p:ext>
     </p:extLst>
   </p:cSld>
@@ -2438,7 +2438,7 @@
     </p:spTree>
     <p:extLst>
       <p:ext uri="{BB962C8B-B14F-4D97-AF65-F5344CB8AC3E}">
-        <p14:creationId xmlns:p14="http://schemas.microsoft.com/office/powerpoint/2010/main" val="2771069984"/>
+        <p14:creationId xmlns:p14="http://schemas.microsoft.com/office/powerpoint/2010/main" xmlns="" val="2771069984"/>
       </p:ext>
     </p:extLst>
   </p:cSld>
@@ -2554,7 +2554,7 @@
     </p:spTree>
     <p:extLst>
       <p:ext uri="{BB962C8B-B14F-4D97-AF65-F5344CB8AC3E}">
-        <p14:creationId xmlns:p14="http://schemas.microsoft.com/office/powerpoint/2010/main" val="2478920908"/>
+        <p14:creationId xmlns:p14="http://schemas.microsoft.com/office/powerpoint/2010/main" xmlns="" val="2478920908"/>
       </p:ext>
     </p:extLst>
   </p:cSld>
@@ -2670,7 +2670,7 @@
     </p:spTree>
     <p:extLst>
       <p:ext uri="{BB962C8B-B14F-4D97-AF65-F5344CB8AC3E}">
-        <p14:creationId xmlns:p14="http://schemas.microsoft.com/office/powerpoint/2010/main" val="2000000878"/>
+        <p14:creationId xmlns:p14="http://schemas.microsoft.com/office/powerpoint/2010/main" xmlns="" val="2000000878"/>
       </p:ext>
     </p:extLst>
   </p:cSld>
@@ -2786,7 +2786,7 @@
     </p:spTree>
     <p:extLst>
       <p:ext uri="{BB962C8B-B14F-4D97-AF65-F5344CB8AC3E}">
-        <p14:creationId xmlns:p14="http://schemas.microsoft.com/office/powerpoint/2010/main" val="2311008519"/>
+        <p14:creationId xmlns:p14="http://schemas.microsoft.com/office/powerpoint/2010/main" xmlns="" val="2311008519"/>
       </p:ext>
     </p:extLst>
   </p:cSld>
@@ -2902,7 +2902,7 @@
     </p:spTree>
     <p:extLst>
       <p:ext uri="{BB962C8B-B14F-4D97-AF65-F5344CB8AC3E}">
-        <p14:creationId xmlns:p14="http://schemas.microsoft.com/office/powerpoint/2010/main" val="5088464"/>
+        <p14:creationId xmlns:p14="http://schemas.microsoft.com/office/powerpoint/2010/main" xmlns="" val="5088464"/>
       </p:ext>
     </p:extLst>
   </p:cSld>
@@ -3018,7 +3018,7 @@
     </p:spTree>
     <p:extLst>
       <p:ext uri="{BB962C8B-B14F-4D97-AF65-F5344CB8AC3E}">
-        <p14:creationId xmlns:p14="http://schemas.microsoft.com/office/powerpoint/2010/main" val="1144649874"/>
+        <p14:creationId xmlns:p14="http://schemas.microsoft.com/office/powerpoint/2010/main" xmlns="" val="1144649874"/>
       </p:ext>
     </p:extLst>
   </p:cSld>
@@ -11621,8 +11621,16 @@
               </a:tabLst>
             </a:pPr>
             <a:r>
-              <a:rPr lang="de-DE" altLang="de-DE" sz="2600" smtClean="0"/>
-              <a:t>Um einfachste grafische Ausgaben zu ermöglichen, erhalten Sie ein sog. jar-Archiv. Es enthält neue Funktionen für eine sehr einfache grafische Ausgabe.</a:t>
+              <a:rPr lang="de-DE" altLang="de-DE" sz="2600" dirty="0" smtClean="0"/>
+              <a:t>Um einfachste grafische Ausgaben zu ermöglichen, erhalten Sie ein sog. </a:t>
+            </a:r>
+            <a:r>
+              <a:rPr lang="de-DE" altLang="de-DE" sz="2600" dirty="0" err="1" smtClean="0"/>
+              <a:t>jar</a:t>
+            </a:r>
+            <a:r>
+              <a:rPr lang="de-DE" altLang="de-DE" sz="2600" dirty="0" smtClean="0"/>
+              <a:t>-Archiv. Es enthält neue Funktionen für eine sehr einfache grafische Ausgabe.</a:t>
             </a:r>
           </a:p>
           <a:p>
@@ -11645,7 +11653,7 @@
                 <a:tab pos="8686800" algn="l"/>
               </a:tabLst>
             </a:pPr>
-            <a:endParaRPr lang="de-DE" altLang="de-DE" sz="2600" smtClean="0"/>
+            <a:endParaRPr lang="de-DE" altLang="de-DE" sz="2600" dirty="0" smtClean="0"/>
           </a:p>
           <a:p>
             <a:pPr marL="0" indent="0" eaLnBrk="1">
@@ -11668,7 +11676,7 @@
               </a:tabLst>
             </a:pPr>
             <a:r>
-              <a:rPr lang="de-DE" altLang="de-DE" sz="2600" smtClean="0"/>
+              <a:rPr lang="de-DE" altLang="de-DE" sz="2600" dirty="0" smtClean="0"/>
               <a:t>Um diese Funktionen nutzen zu können, gehen Sie wie folgt vor: </a:t>
             </a:r>
           </a:p>
@@ -11692,7 +11700,7 @@
                 <a:tab pos="8686800" algn="l"/>
               </a:tabLst>
             </a:pPr>
-            <a:endParaRPr lang="de-DE" altLang="de-DE" sz="2600" smtClean="0"/>
+            <a:endParaRPr lang="de-DE" altLang="de-DE" sz="2600" dirty="0" smtClean="0"/>
           </a:p>
           <a:p>
             <a:pPr marL="0" indent="0" eaLnBrk="1">
@@ -11715,9 +11723,46 @@
               </a:tabLst>
             </a:pPr>
             <a:r>
-              <a:rPr lang="de-DE" altLang="de-DE" sz="2600" smtClean="0"/>
-              <a:t>Rechtsklicken Sie in Eclipse auf Ihr Projekt und wählen Sie "Properties", wählen Sie "Java Build Path", dann den Reiter "Libraries" und klicken Sie auf "Add External JARs...".</a:t>
-            </a:r>
+              <a:rPr lang="de-DE" altLang="de-DE" sz="2600" dirty="0" smtClean="0"/>
+              <a:t>Rechtsklicken Sie in </a:t>
+            </a:r>
+            <a:r>
+              <a:rPr lang="de-DE" altLang="de-DE" sz="2600" dirty="0" err="1" smtClean="0"/>
+              <a:t>Eclipse</a:t>
+            </a:r>
+            <a:r>
+              <a:rPr lang="de-DE" altLang="de-DE" sz="2600" dirty="0" smtClean="0"/>
+              <a:t> auf Ihr </a:t>
+            </a:r>
+            <a:r>
+              <a:rPr lang="de-DE" altLang="de-DE" sz="2600" dirty="0" smtClean="0"/>
+              <a:t>Projekt, öffnen Sie das Untermenü "</a:t>
+            </a:r>
+            <a:r>
+              <a:rPr lang="de-DE" altLang="de-DE" sz="2600" dirty="0" err="1" smtClean="0"/>
+              <a:t>Build</a:t>
+            </a:r>
+            <a:r>
+              <a:rPr lang="de-DE" altLang="de-DE" sz="2600" dirty="0" smtClean="0"/>
+              <a:t> Path“ und </a:t>
+            </a:r>
+            <a:r>
+              <a:rPr lang="de-DE" altLang="de-DE" sz="2600" dirty="0" smtClean="0"/>
+              <a:t>klicken Sie auf "Add </a:t>
+            </a:r>
+            <a:r>
+              <a:rPr lang="de-DE" altLang="de-DE" sz="2600" dirty="0" err="1" smtClean="0"/>
+              <a:t>External</a:t>
+            </a:r>
+            <a:r>
+              <a:rPr lang="de-DE" altLang="de-DE" sz="2600" dirty="0" smtClean="0"/>
+              <a:t> </a:t>
+            </a:r>
+            <a:r>
+              <a:rPr lang="de-DE" altLang="de-DE" sz="2600" dirty="0" smtClean="0"/>
+              <a:t>Archives...".</a:t>
+            </a:r>
+            <a:endParaRPr lang="de-DE" altLang="de-DE" sz="2600" dirty="0" smtClean="0"/>
           </a:p>
           <a:p>
             <a:pPr marL="0" indent="0" eaLnBrk="1">
@@ -11739,7 +11784,7 @@
                 <a:tab pos="8686800" algn="l"/>
               </a:tabLst>
             </a:pPr>
-            <a:endParaRPr lang="de-DE" altLang="de-DE" sz="2600" smtClean="0"/>
+            <a:endParaRPr lang="de-DE" altLang="de-DE" sz="2600" dirty="0" smtClean="0"/>
           </a:p>
           <a:p>
             <a:pPr marL="0" indent="0" eaLnBrk="1">
@@ -11762,8 +11807,45 @@
               </a:tabLst>
             </a:pPr>
             <a:r>
-              <a:rPr lang="de-DE" altLang="de-DE" sz="2600" smtClean="0"/>
-              <a:t>Wählen Sie dann das benötigte Modul aus und klicken Sie auf Ok.</a:t>
+              <a:rPr lang="de-DE" altLang="de-DE" sz="2600" dirty="0" smtClean="0"/>
+              <a:t>Wählen Sie dann das benötigte </a:t>
+            </a:r>
+            <a:r>
+              <a:rPr lang="de-DE" altLang="de-DE" sz="2600" dirty="0" smtClean="0"/>
+              <a:t>Modul </a:t>
+            </a:r>
+            <a:r>
+              <a:rPr lang="de-DE" altLang="de-DE" sz="2400" dirty="0" smtClean="0">
+                <a:latin typeface="Courier New" pitchFamily="49" charset="0"/>
+                <a:cs typeface="Courier New" pitchFamily="49" charset="0"/>
+              </a:rPr>
+              <a:t>uebungstools.jar</a:t>
+            </a:r>
+            <a:r>
+              <a:rPr lang="de-DE" altLang="de-DE" sz="2400" dirty="0" smtClean="0"/>
+              <a:t> aus Unterordner </a:t>
+            </a:r>
+            <a:r>
+              <a:rPr lang="de-DE" altLang="de-DE" sz="2400" dirty="0" smtClean="0">
+                <a:latin typeface="Courier New" pitchFamily="49" charset="0"/>
+                <a:cs typeface="Courier New" pitchFamily="49" charset="0"/>
+              </a:rPr>
+              <a:t>\</a:t>
+            </a:r>
+            <a:r>
+              <a:rPr lang="de-DE" altLang="de-DE" sz="2400" dirty="0" err="1" smtClean="0">
+                <a:latin typeface="Courier New" pitchFamily="49" charset="0"/>
+                <a:cs typeface="Courier New" pitchFamily="49" charset="0"/>
+              </a:rPr>
+              <a:t>lib</a:t>
+            </a:r>
+            <a:r>
+              <a:rPr lang="de-DE" altLang="de-DE" sz="2600" dirty="0" smtClean="0"/>
+              <a:t> </a:t>
+            </a:r>
+            <a:r>
+              <a:rPr lang="de-DE" altLang="de-DE" sz="2600" dirty="0" smtClean="0"/>
+              <a:t>aus und klicken Sie auf Ok.</a:t>
             </a:r>
           </a:p>
           <a:p>
@@ -11786,7 +11868,7 @@
                 <a:tab pos="8686800" algn="l"/>
               </a:tabLst>
             </a:pPr>
-            <a:endParaRPr lang="de-DE" altLang="de-DE" smtClean="0"/>
+            <a:endParaRPr lang="de-DE" altLang="de-DE" dirty="0" smtClean="0"/>
           </a:p>
         </p:txBody>
       </p:sp>
@@ -13414,8 +13496,16 @@
               </a:tabLst>
             </a:pPr>
             <a:r>
-              <a:rPr lang="de-DE" altLang="de-DE" sz="2800" smtClean="0"/>
-              <a:t>Erstellen Sie sich wie üblich einen Fork von</a:t>
+              <a:rPr lang="de-DE" altLang="de-DE" sz="2800" dirty="0" smtClean="0"/>
+              <a:t>Erstellen Sie sich wie üblich einen </a:t>
+            </a:r>
+            <a:r>
+              <a:rPr lang="de-DE" altLang="de-DE" sz="2800" dirty="0" err="1" smtClean="0"/>
+              <a:t>Fork</a:t>
+            </a:r>
+            <a:r>
+              <a:rPr lang="de-DE" altLang="de-DE" sz="2800" dirty="0" smtClean="0"/>
+              <a:t> von</a:t>
             </a:r>
           </a:p>
           <a:p>
@@ -13439,12 +13529,12 @@
               </a:tabLst>
             </a:pPr>
             <a:r>
-              <a:rPr lang="de-DE" altLang="de-DE" sz="2000" smtClean="0">
+              <a:rPr lang="de-DE" altLang="de-DE" sz="2000" dirty="0" smtClean="0">
                 <a:hlinkClick r:id="rId3"/>
               </a:rPr>
               <a:t>https://github.com/nordakademie-einfuehrung-java/uebungsblock_1_bis_4</a:t>
             </a:r>
-            <a:endParaRPr lang="de-DE" altLang="de-DE" sz="2000" smtClean="0"/>
+            <a:endParaRPr lang="de-DE" altLang="de-DE" sz="2000" dirty="0" smtClean="0"/>
           </a:p>
           <a:p>
             <a:pPr marL="0" indent="0" eaLnBrk="1">
@@ -13467,8 +13557,16 @@
               </a:tabLst>
             </a:pPr>
             <a:r>
-              <a:rPr lang="de-DE" altLang="de-DE" sz="2800" smtClean="0"/>
-              <a:t>und dann nach dem Klonen ein neues Eclipse-Projekt. </a:t>
+              <a:rPr lang="de-DE" altLang="de-DE" sz="2800" dirty="0" smtClean="0"/>
+              <a:t>und dann nach dem Klonen ein neues </a:t>
+            </a:r>
+            <a:r>
+              <a:rPr lang="de-DE" altLang="de-DE" sz="2800" dirty="0" err="1" smtClean="0"/>
+              <a:t>Eclipse</a:t>
+            </a:r>
+            <a:r>
+              <a:rPr lang="de-DE" altLang="de-DE" sz="2800" dirty="0" smtClean="0"/>
+              <a:t>-Projekt. </a:t>
             </a:r>
           </a:p>
           <a:p>
@@ -13491,7 +13589,7 @@
                 <a:tab pos="8686800" algn="l"/>
               </a:tabLst>
             </a:pPr>
-            <a:endParaRPr lang="de-DE" altLang="de-DE" sz="2800" smtClean="0"/>
+            <a:endParaRPr lang="de-DE" altLang="de-DE" sz="2800" dirty="0" smtClean="0"/>
           </a:p>
           <a:p>
             <a:pPr marL="0" indent="0" eaLnBrk="1">
@@ -13514,29 +13612,43 @@
               </a:tabLst>
             </a:pPr>
             <a:r>
-              <a:rPr lang="de-DE" altLang="de-DE" sz="2800" smtClean="0"/>
+              <a:rPr lang="de-DE" altLang="de-DE" sz="2800" dirty="0" smtClean="0"/>
               <a:t>Fügen Sie </a:t>
             </a:r>
             <a:r>
-              <a:rPr lang="de-DE" altLang="de-DE" sz="2800" smtClean="0">
+              <a:rPr lang="de-DE" altLang="de-DE" sz="2800" dirty="0" smtClean="0">
                 <a:latin typeface="Courier New" pitchFamily="49" charset="0"/>
                 <a:cs typeface="Courier New" pitchFamily="49" charset="0"/>
               </a:rPr>
               <a:t>uebungstools.jar</a:t>
             </a:r>
             <a:r>
-              <a:rPr lang="de-DE" altLang="de-DE" sz="2800" smtClean="0"/>
+              <a:rPr lang="de-DE" altLang="de-DE" sz="2800" dirty="0" smtClean="0"/>
               <a:t> aus Unterordner </a:t>
             </a:r>
             <a:r>
-              <a:rPr lang="de-DE" altLang="de-DE" sz="2800" smtClean="0">
+              <a:rPr lang="de-DE" altLang="de-DE" sz="2800" dirty="0" smtClean="0">
                 <a:latin typeface="Courier New" pitchFamily="49" charset="0"/>
                 <a:cs typeface="Courier New" pitchFamily="49" charset="0"/>
               </a:rPr>
-              <a:t>\lib </a:t>
-            </a:r>
-            <a:r>
-              <a:rPr lang="de-DE" altLang="de-DE" sz="2800" smtClean="0"/>
+              <a:t>\</a:t>
+            </a:r>
+            <a:r>
+              <a:rPr lang="de-DE" altLang="de-DE" sz="2800" dirty="0" err="1" smtClean="0">
+                <a:latin typeface="Courier New" pitchFamily="49" charset="0"/>
+                <a:cs typeface="Courier New" pitchFamily="49" charset="0"/>
+              </a:rPr>
+              <a:t>lib</a:t>
+            </a:r>
+            <a:r>
+              <a:rPr lang="de-DE" altLang="de-DE" sz="2800" dirty="0" smtClean="0">
+                <a:latin typeface="Courier New" pitchFamily="49" charset="0"/>
+                <a:cs typeface="Courier New" pitchFamily="49" charset="0"/>
+              </a:rPr>
+              <a:t> </a:t>
+            </a:r>
+            <a:r>
+              <a:rPr lang="de-DE" altLang="de-DE" sz="2800" dirty="0" smtClean="0"/>
               <a:t>dem Projekt als externes Archiv hinzu:</a:t>
             </a:r>
           </a:p>
@@ -13560,7 +13672,7 @@
                 <a:tab pos="8686800" algn="l"/>
               </a:tabLst>
             </a:pPr>
-            <a:endParaRPr lang="de-DE" altLang="de-DE" sz="2800" smtClean="0"/>
+            <a:endParaRPr lang="de-DE" altLang="de-DE" sz="2800" dirty="0" smtClean="0"/>
           </a:p>
         </p:txBody>
       </p:sp>
